--- a/Аджиумеров БВТ2003.pptx
+++ b/Аджиумеров БВТ2003.pptx
@@ -3334,10 +3334,10 @@
         </p:nvGrpSpPr>
         <p:grpSpPr>
           <a:xfrm>
-            <a:off x="2385060" y="917575"/>
-            <a:ext cx="7174230" cy="3230880"/>
-            <a:chOff x="2540006" y="3958792"/>
-            <a:chExt cx="7043103" cy="830921"/>
+            <a:off x="2453640" y="917575"/>
+            <a:ext cx="7037089" cy="3230880"/>
+            <a:chOff x="2607333" y="3958792"/>
+            <a:chExt cx="6908469" cy="830921"/>
           </a:xfrm>
         </p:grpSpPr>
         <p:sp>
@@ -3404,8 +3404,8 @@
           </p:nvSpPr>
           <p:spPr>
             <a:xfrm>
-              <a:off x="2540006" y="4003100"/>
-              <a:ext cx="7043103" cy="786332"/>
+              <a:off x="2607333" y="4003049"/>
+              <a:ext cx="6908450" cy="786337"/>
             </a:xfrm>
             <a:prstGeom prst="rect">
               <a:avLst/>
@@ -3447,7 +3447,7 @@
         </p:nvSpPr>
         <p:spPr>
           <a:xfrm>
-            <a:off x="4422775" y="4415155"/>
+            <a:off x="4212590" y="4415155"/>
             <a:ext cx="3518535" cy="709930"/>
           </a:xfrm>
           <a:prstGeom prst="rect">
@@ -3505,7 +3505,7 @@
         </p:nvSpPr>
         <p:spPr>
           <a:xfrm>
-            <a:off x="4422140" y="4591685"/>
+            <a:off x="4211955" y="4591685"/>
             <a:ext cx="3489960" cy="369570"/>
           </a:xfrm>
           <a:prstGeom prst="rect">
@@ -3530,6 +3530,148 @@
               <a:t>Аджиумеров А. БВТ2003</a:t>
             </a:r>
             <a:endParaRPr lang="ru-RU" altLang="en-US" b="1">
+              <a:solidFill>
+                <a:schemeClr val="bg1"/>
+              </a:solidFill>
+              <a:latin typeface="Calibri" panose="020F0502020204030204" pitchFamily="34" charset="0"/>
+              <a:cs typeface="Calibri" panose="020F0502020204030204" pitchFamily="34" charset="0"/>
+            </a:endParaRPr>
+          </a:p>
+        </p:txBody>
+      </p:sp>
+      <p:sp>
+        <p:nvSpPr>
+          <p:cNvPr id="7" name="矩形 68"/>
+          <p:cNvSpPr/>
+          <p:nvPr/>
+        </p:nvSpPr>
+        <p:spPr>
+          <a:xfrm>
+            <a:off x="8119110" y="5894070"/>
+            <a:ext cx="3705225" cy="669925"/>
+          </a:xfrm>
+          <a:prstGeom prst="rect">
+            <a:avLst/>
+          </a:prstGeom>
+          <a:solidFill>
+            <a:srgbClr val="20BA7C">
+              <a:alpha val="95000"/>
+            </a:srgbClr>
+          </a:solidFill>
+          <a:ln>
+            <a:noFill/>
+          </a:ln>
+        </p:spPr>
+        <p:style>
+          <a:lnRef idx="2">
+            <a:schemeClr val="accent1">
+              <a:shade val="50000"/>
+            </a:schemeClr>
+          </a:lnRef>
+          <a:fillRef idx="1">
+            <a:schemeClr val="accent1"/>
+          </a:fillRef>
+          <a:effectRef idx="0">
+            <a:schemeClr val="accent1"/>
+          </a:effectRef>
+          <a:fontRef idx="minor">
+            <a:schemeClr val="lt1"/>
+          </a:fontRef>
+        </p:style>
+        <p:txBody>
+          <a:bodyPr rtlCol="0" anchor="ctr"/>
+          <a:p>
+            <a:pPr algn="ctr"/>
+            <a:endParaRPr lang="zh-CN" altLang="en-US">
+              <a:latin typeface="Calibri" panose="020F0502020204030204" pitchFamily="34" charset="0"/>
+              <a:ea typeface="Calibri" panose="020F0502020204030204" pitchFamily="34" charset="0"/>
+              <a:cs typeface="Calibri" panose="020F0502020204030204" pitchFamily="34" charset="0"/>
+            </a:endParaRPr>
+          </a:p>
+        </p:txBody>
+      </p:sp>
+      <p:sp>
+        <p:nvSpPr>
+          <p:cNvPr id="8" name="Текстовое поле 7"/>
+          <p:cNvSpPr txBox="1"/>
+          <p:nvPr/>
+        </p:nvSpPr>
+        <p:spPr>
+          <a:xfrm>
+            <a:off x="8119110" y="5894070"/>
+            <a:ext cx="3705225" cy="669290"/>
+          </a:xfrm>
+          <a:prstGeom prst="rect">
+            <a:avLst/>
+          </a:prstGeom>
+          <a:noFill/>
+        </p:spPr>
+        <p:txBody>
+          <a:bodyPr wrap="square" rtlCol="0">
+            <a:noAutofit/>
+          </a:bodyPr>
+          <a:p>
+            <a:pPr algn="ctr"/>
+            <a:r>
+              <a:rPr lang="ru-RU" altLang="en-US" b="1">
+                <a:solidFill>
+                  <a:schemeClr val="bg1"/>
+                </a:solidFill>
+                <a:latin typeface="Calibri" panose="020F0502020204030204" pitchFamily="34" charset="0"/>
+                <a:cs typeface="Calibri" panose="020F0502020204030204" pitchFamily="34" charset="0"/>
+              </a:rPr>
+              <a:t>Перед запуском приложения</a:t>
+            </a:r>
+            <a:r>
+              <a:rPr lang="en-US" altLang="ru-RU" b="1">
+                <a:solidFill>
+                  <a:schemeClr val="bg1"/>
+                </a:solidFill>
+                <a:latin typeface="Calibri" panose="020F0502020204030204" pitchFamily="34" charset="0"/>
+                <a:cs typeface="Calibri" panose="020F0502020204030204" pitchFamily="34" charset="0"/>
+              </a:rPr>
+              <a:t> </a:t>
+            </a:r>
+            <a:r>
+              <a:rPr lang="ru-RU" altLang="en-US" b="1">
+                <a:solidFill>
+                  <a:schemeClr val="bg1"/>
+                </a:solidFill>
+                <a:latin typeface="Calibri" panose="020F0502020204030204" pitchFamily="34" charset="0"/>
+                <a:cs typeface="Calibri" panose="020F0502020204030204" pitchFamily="34" charset="0"/>
+              </a:rPr>
+              <a:t> </a:t>
+            </a:r>
+            <a:br>
+              <a:rPr lang="ru-RU" altLang="en-US" b="1">
+                <a:solidFill>
+                  <a:schemeClr val="bg1"/>
+                </a:solidFill>
+                <a:latin typeface="Calibri" panose="020F0502020204030204" pitchFamily="34" charset="0"/>
+                <a:cs typeface="Calibri" panose="020F0502020204030204" pitchFamily="34" charset="0"/>
+              </a:rPr>
+            </a:br>
+            <a:r>
+              <a:rPr lang="ru-RU" altLang="en-US" b="1">
+                <a:solidFill>
+                  <a:schemeClr val="bg1"/>
+                </a:solidFill>
+                <a:latin typeface="Calibri" panose="020F0502020204030204" pitchFamily="34" charset="0"/>
+                <a:cs typeface="Calibri" panose="020F0502020204030204" pitchFamily="34" charset="0"/>
+              </a:rPr>
+              <a:t>прочитать </a:t>
+            </a:r>
+            <a:r>
+              <a:rPr lang="en-US" altLang="en-US" b="1">
+                <a:solidFill>
+                  <a:schemeClr val="bg1"/>
+                </a:solidFill>
+                <a:latin typeface="Calibri" panose="020F0502020204030204" pitchFamily="34" charset="0"/>
+                <a:cs typeface="Calibri" panose="020F0502020204030204" pitchFamily="34" charset="0"/>
+              </a:rPr>
+              <a:t>LAUNCHING.txt</a:t>
+            </a:r>
+            <a:endParaRPr lang="en-US" altLang="en-US" b="1">
               <a:solidFill>
                 <a:schemeClr val="bg1"/>
               </a:solidFill>
